--- a/Prezentacija prijedlog.pptx
+++ b/Prezentacija prijedlog.pptx
@@ -108,6 +108,11 @@
       </a:defRPr>
     </a:lvl9pPr>
   </p:defaultTextStyle>
+  <p:extLst>
+    <p:ext uri="{EFAFB233-063F-42B5-8137-9DF3F51BA10A}">
+      <p15:sldGuideLst xmlns:p15="http://schemas.microsoft.com/office/powerpoint/2012/main"/>
+    </p:ext>
+  </p:extLst>
 </p:presentation>
 </file>
 
@@ -857,7 +862,7 @@
             <a:fld id="{B61BEF0D-F0BB-DE4B-95CE-6DB70DBA9567}" type="datetimeFigureOut">
               <a:rPr lang="en-US" dirty="0"/>
               <a:pPr/>
-              <a:t>4/12/2021</a:t>
+              <a:t>4/13/2021</a:t>
             </a:fld>
             <a:endParaRPr lang="en-US" dirty="0"/>
           </a:p>
@@ -1105,7 +1110,7 @@
             <a:fld id="{B61BEF0D-F0BB-DE4B-95CE-6DB70DBA9567}" type="datetimeFigureOut">
               <a:rPr lang="en-US" dirty="0"/>
               <a:pPr/>
-              <a:t>4/12/2021</a:t>
+              <a:t>4/13/2021</a:t>
             </a:fld>
             <a:endParaRPr lang="en-US" dirty="0"/>
           </a:p>
@@ -1416,7 +1421,7 @@
             <a:fld id="{B61BEF0D-F0BB-DE4B-95CE-6DB70DBA9567}" type="datetimeFigureOut">
               <a:rPr lang="en-US" dirty="0"/>
               <a:pPr/>
-              <a:t>4/12/2021</a:t>
+              <a:t>4/13/2021</a:t>
             </a:fld>
             <a:endParaRPr lang="en-US" dirty="0"/>
           </a:p>
@@ -1746,7 +1751,7 @@
             <a:fld id="{B61BEF0D-F0BB-DE4B-95CE-6DB70DBA9567}" type="datetimeFigureOut">
               <a:rPr lang="en-US" dirty="0"/>
               <a:pPr/>
-              <a:t>4/12/2021</a:t>
+              <a:t>4/13/2021</a:t>
             </a:fld>
             <a:endParaRPr lang="en-US" dirty="0"/>
           </a:p>
@@ -2057,7 +2062,7 @@
             <a:fld id="{B61BEF0D-F0BB-DE4B-95CE-6DB70DBA9567}" type="datetimeFigureOut">
               <a:rPr lang="en-US" dirty="0"/>
               <a:pPr/>
-              <a:t>4/12/2021</a:t>
+              <a:t>4/13/2021</a:t>
             </a:fld>
             <a:endParaRPr lang="en-US" dirty="0"/>
           </a:p>
@@ -2447,7 +2452,7 @@
             <a:fld id="{B61BEF0D-F0BB-DE4B-95CE-6DB70DBA9567}" type="datetimeFigureOut">
               <a:rPr lang="en-US" dirty="0"/>
               <a:pPr/>
-              <a:t>4/12/2021</a:t>
+              <a:t>4/13/2021</a:t>
             </a:fld>
             <a:endParaRPr lang="en-US" dirty="0"/>
           </a:p>
@@ -2613,7 +2618,7 @@
           <a:p>
             <a:fld id="{55C6B4A9-1611-4792-9094-5F34BCA07E0B}" type="datetimeFigureOut">
               <a:rPr lang="en-US" dirty="0"/>
-              <a:t>4/12/2021</a:t>
+              <a:t>4/13/2021</a:t>
             </a:fld>
             <a:endParaRPr lang="en-US" dirty="0"/>
           </a:p>
@@ -2789,7 +2794,7 @@
             <a:fld id="{B61BEF0D-F0BB-DE4B-95CE-6DB70DBA9567}" type="datetimeFigureOut">
               <a:rPr lang="en-US" dirty="0"/>
               <a:pPr/>
-              <a:t>4/12/2021</a:t>
+              <a:t>4/13/2021</a:t>
             </a:fld>
             <a:endParaRPr lang="en-US" dirty="0"/>
           </a:p>
@@ -2955,7 +2960,7 @@
           <a:p>
             <a:fld id="{42A54C80-263E-416B-A8E0-580EDEADCBDC}" type="datetimeFigureOut">
               <a:rPr lang="en-US" dirty="0"/>
-              <a:t>4/12/2021</a:t>
+              <a:t>4/13/2021</a:t>
             </a:fld>
             <a:endParaRPr lang="en-US" dirty="0"/>
           </a:p>
@@ -3198,7 +3203,7 @@
             <a:fld id="{B61BEF0D-F0BB-DE4B-95CE-6DB70DBA9567}" type="datetimeFigureOut">
               <a:rPr lang="en-US" dirty="0"/>
               <a:pPr/>
-              <a:t>4/12/2021</a:t>
+              <a:t>4/13/2021</a:t>
             </a:fld>
             <a:endParaRPr lang="en-US" dirty="0"/>
           </a:p>
@@ -3426,7 +3431,7 @@
           <a:p>
             <a:fld id="{42A54C80-263E-416B-A8E0-580EDEADCBDC}" type="datetimeFigureOut">
               <a:rPr lang="en-US" dirty="0"/>
-              <a:t>4/12/2021</a:t>
+              <a:t>4/13/2021</a:t>
             </a:fld>
             <a:endParaRPr lang="en-US" dirty="0"/>
           </a:p>
@@ -3796,7 +3801,7 @@
             <a:fld id="{B61BEF0D-F0BB-DE4B-95CE-6DB70DBA9567}" type="datetimeFigureOut">
               <a:rPr lang="en-US" dirty="0"/>
               <a:pPr/>
-              <a:t>4/12/2021</a:t>
+              <a:t>4/13/2021</a:t>
             </a:fld>
             <a:endParaRPr lang="en-US" dirty="0"/>
           </a:p>
@@ -3916,7 +3921,7 @@
             <a:fld id="{B61BEF0D-F0BB-DE4B-95CE-6DB70DBA9567}" type="datetimeFigureOut">
               <a:rPr lang="en-US" dirty="0"/>
               <a:pPr/>
-              <a:t>4/12/2021</a:t>
+              <a:t>4/13/2021</a:t>
             </a:fld>
             <a:endParaRPr lang="en-US" dirty="0"/>
           </a:p>
@@ -4008,7 +4013,7 @@
             <a:fld id="{B61BEF0D-F0BB-DE4B-95CE-6DB70DBA9567}" type="datetimeFigureOut">
               <a:rPr lang="en-US" dirty="0"/>
               <a:pPr/>
-              <a:t>4/12/2021</a:t>
+              <a:t>4/13/2021</a:t>
             </a:fld>
             <a:endParaRPr lang="en-US" dirty="0"/>
           </a:p>
@@ -4259,7 +4264,7 @@
           <a:p>
             <a:fld id="{42A54C80-263E-416B-A8E0-580EDEADCBDC}" type="datetimeFigureOut">
               <a:rPr lang="en-US" dirty="0"/>
-              <a:t>4/12/2021</a:t>
+              <a:t>4/13/2021</a:t>
             </a:fld>
             <a:endParaRPr lang="en-US" dirty="0"/>
           </a:p>
@@ -4561,7 +4566,7 @@
             <a:fld id="{B61BEF0D-F0BB-DE4B-95CE-6DB70DBA9567}" type="datetimeFigureOut">
               <a:rPr lang="en-US" dirty="0"/>
               <a:pPr/>
-              <a:t>4/12/2021</a:t>
+              <a:t>4/13/2021</a:t>
             </a:fld>
             <a:endParaRPr lang="en-US" dirty="0"/>
           </a:p>
@@ -5259,7 +5264,7 @@
             <a:fld id="{B61BEF0D-F0BB-DE4B-95CE-6DB70DBA9567}" type="datetimeFigureOut">
               <a:rPr lang="en-US" dirty="0"/>
               <a:pPr/>
-              <a:t>4/12/2021</a:t>
+              <a:t>4/13/2021</a:t>
             </a:fld>
             <a:endParaRPr lang="en-US" dirty="0"/>
           </a:p>
@@ -5989,7 +5994,7 @@
         <p:spPr>
           <a:xfrm>
             <a:off x="677334" y="1678489"/>
-            <a:ext cx="8596668" cy="4362874"/>
+            <a:ext cx="5260003" cy="4362874"/>
           </a:xfrm>
         </p:spPr>
         <p:txBody>
@@ -6094,6 +6099,30 @@
           </a:p>
         </p:txBody>
       </p:sp>
+      <p:pic>
+        <p:nvPicPr>
+          <p:cNvPr id="4" name="Picture 3"/>
+          <p:cNvPicPr>
+            <a:picLocks noChangeAspect="1"/>
+          </p:cNvPicPr>
+          <p:nvPr/>
+        </p:nvPicPr>
+        <p:blipFill>
+          <a:blip r:embed="rId2"/>
+          <a:stretch>
+            <a:fillRect/>
+          </a:stretch>
+        </p:blipFill>
+        <p:spPr>
+          <a:xfrm>
+            <a:off x="5937337" y="1100202"/>
+            <a:ext cx="6087649" cy="4952944"/>
+          </a:xfrm>
+          <a:prstGeom prst="rect">
+            <a:avLst/>
+          </a:prstGeom>
+        </p:spPr>
+      </p:pic>
     </p:spTree>
     <p:extLst>
       <p:ext uri="{BB962C8B-B14F-4D97-AF65-F5344CB8AC3E}">
@@ -6162,7 +6191,12 @@
             <p:ph idx="1"/>
           </p:nvPr>
         </p:nvSpPr>
-        <p:spPr/>
+        <p:spPr>
+          <a:xfrm>
+            <a:off x="677334" y="2160589"/>
+            <a:ext cx="4784014" cy="3880773"/>
+          </a:xfrm>
+        </p:spPr>
         <p:txBody>
           <a:bodyPr/>
           <a:lstStyle/>
@@ -6215,6 +6249,30 @@
           </a:p>
         </p:txBody>
       </p:sp>
+      <p:pic>
+        <p:nvPicPr>
+          <p:cNvPr id="6" name="Picture 5"/>
+          <p:cNvPicPr>
+            <a:picLocks noChangeAspect="1"/>
+          </p:cNvPicPr>
+          <p:nvPr/>
+        </p:nvPicPr>
+        <p:blipFill>
+          <a:blip r:embed="rId2"/>
+          <a:stretch>
+            <a:fillRect/>
+          </a:stretch>
+        </p:blipFill>
+        <p:spPr>
+          <a:xfrm>
+            <a:off x="6100175" y="1615858"/>
+            <a:ext cx="5026440" cy="4974754"/>
+          </a:xfrm>
+          <a:prstGeom prst="rect">
+            <a:avLst/>
+          </a:prstGeom>
+        </p:spPr>
+      </p:pic>
     </p:spTree>
     <p:extLst>
       <p:ext uri="{BB962C8B-B14F-4D97-AF65-F5344CB8AC3E}">

--- a/Prezentacija prijedlog.pptx
+++ b/Prezentacija prijedlog.pptx
@@ -7,9 +7,10 @@
   <p:sldIdLst>
     <p:sldId id="256" r:id="rId2"/>
     <p:sldId id="257" r:id="rId3"/>
-    <p:sldId id="258" r:id="rId4"/>
-    <p:sldId id="259" r:id="rId5"/>
-    <p:sldId id="261" r:id="rId6"/>
+    <p:sldId id="262" r:id="rId4"/>
+    <p:sldId id="263" r:id="rId5"/>
+    <p:sldId id="258" r:id="rId6"/>
+    <p:sldId id="261" r:id="rId7"/>
   </p:sldIdLst>
   <p:sldSz cx="12192000" cy="6858000"/>
   <p:notesSz cx="6858000" cy="9144000"/>
@@ -717,7 +718,7 @@
           </a:lstStyle>
           <a:p>
             <a:r>
-              <a:rPr lang="en-US" smtClean="0"/>
+              <a:rPr lang="en-US"/>
               <a:t>Click to edit Master title style</a:t>
             </a:r>
             <a:endParaRPr lang="en-US" dirty="0"/>
@@ -837,7 +838,7 @@
           </a:lstStyle>
           <a:p>
             <a:r>
-              <a:rPr lang="en-US" smtClean="0"/>
+              <a:rPr lang="en-US"/>
               <a:t>Click to edit Master subtitle style</a:t>
             </a:r>
             <a:endParaRPr lang="en-US" dirty="0"/>
@@ -862,7 +863,7 @@
             <a:fld id="{B61BEF0D-F0BB-DE4B-95CE-6DB70DBA9567}" type="datetimeFigureOut">
               <a:rPr lang="en-US" dirty="0"/>
               <a:pPr/>
-              <a:t>4/13/2021</a:t>
+              <a:t>5/4/2021</a:t>
             </a:fld>
             <a:endParaRPr lang="en-US" dirty="0"/>
           </a:p>
@@ -963,7 +964,7 @@
           </a:lstStyle>
           <a:p>
             <a:r>
-              <a:rPr lang="en-US" smtClean="0"/>
+              <a:rPr lang="en-US"/>
               <a:t>Click to edit Master title style</a:t>
             </a:r>
             <a:endParaRPr lang="en-US" dirty="0"/>
@@ -1086,7 +1087,7 @@
           <a:p>
             <a:pPr lvl="0"/>
             <a:r>
-              <a:rPr lang="en-US" smtClean="0"/>
+              <a:rPr lang="en-US"/>
               <a:t>Click to edit Master text styles</a:t>
             </a:r>
           </a:p>
@@ -1110,7 +1111,7 @@
             <a:fld id="{B61BEF0D-F0BB-DE4B-95CE-6DB70DBA9567}" type="datetimeFigureOut">
               <a:rPr lang="en-US" dirty="0"/>
               <a:pPr/>
-              <a:t>4/13/2021</a:t>
+              <a:t>5/4/2021</a:t>
             </a:fld>
             <a:endParaRPr lang="en-US" dirty="0"/>
           </a:p>
@@ -1211,7 +1212,7 @@
           </a:lstStyle>
           <a:p>
             <a:r>
-              <a:rPr lang="en-US" smtClean="0"/>
+              <a:rPr lang="en-US"/>
               <a:t>Click to edit Master title style</a:t>
             </a:r>
             <a:endParaRPr lang="en-US" dirty="0"/>
@@ -1275,7 +1276,7 @@
           <a:p>
             <a:pPr lvl="0"/>
             <a:r>
-              <a:rPr lang="en-US" smtClean="0"/>
+              <a:rPr lang="en-US"/>
               <a:t>Click to edit Master text styles</a:t>
             </a:r>
           </a:p>
@@ -1397,7 +1398,7 @@
           <a:p>
             <a:pPr lvl="0"/>
             <a:r>
-              <a:rPr lang="en-US" smtClean="0"/>
+              <a:rPr lang="en-US"/>
               <a:t>Click to edit Master text styles</a:t>
             </a:r>
           </a:p>
@@ -1421,7 +1422,7 @@
             <a:fld id="{B61BEF0D-F0BB-DE4B-95CE-6DB70DBA9567}" type="datetimeFigureOut">
               <a:rPr lang="en-US" dirty="0"/>
               <a:pPr/>
-              <a:t>4/13/2021</a:t>
+              <a:t>5/4/2021</a:t>
             </a:fld>
             <a:endParaRPr lang="en-US" dirty="0"/>
           </a:p>
@@ -1604,7 +1605,7 @@
           </a:lstStyle>
           <a:p>
             <a:r>
-              <a:rPr lang="en-US" smtClean="0"/>
+              <a:rPr lang="en-US"/>
               <a:t>Click to edit Master title style</a:t>
             </a:r>
             <a:endParaRPr lang="en-US" dirty="0"/>
@@ -1727,7 +1728,7 @@
           <a:p>
             <a:pPr lvl="0"/>
             <a:r>
-              <a:rPr lang="en-US" smtClean="0"/>
+              <a:rPr lang="en-US"/>
               <a:t>Click to edit Master text styles</a:t>
             </a:r>
           </a:p>
@@ -1751,7 +1752,7 @@
             <a:fld id="{B61BEF0D-F0BB-DE4B-95CE-6DB70DBA9567}" type="datetimeFigureOut">
               <a:rPr lang="en-US" dirty="0"/>
               <a:pPr/>
-              <a:t>4/13/2021</a:t>
+              <a:t>5/4/2021</a:t>
             </a:fld>
             <a:endParaRPr lang="en-US" dirty="0"/>
           </a:p>
@@ -1852,7 +1853,7 @@
           </a:lstStyle>
           <a:p>
             <a:r>
-              <a:rPr lang="en-US" smtClean="0"/>
+              <a:rPr lang="en-US"/>
               <a:t>Click to edit Master title style</a:t>
             </a:r>
             <a:endParaRPr lang="en-US" dirty="0"/>
@@ -1916,7 +1917,7 @@
           <a:p>
             <a:pPr lvl="0"/>
             <a:r>
-              <a:rPr lang="en-US" smtClean="0"/>
+              <a:rPr lang="en-US"/>
               <a:t>Click to edit Master text styles</a:t>
             </a:r>
           </a:p>
@@ -2038,7 +2039,7 @@
           <a:p>
             <a:pPr lvl="0"/>
             <a:r>
-              <a:rPr lang="en-US" smtClean="0"/>
+              <a:rPr lang="en-US"/>
               <a:t>Click to edit Master text styles</a:t>
             </a:r>
           </a:p>
@@ -2062,7 +2063,7 @@
             <a:fld id="{B61BEF0D-F0BB-DE4B-95CE-6DB70DBA9567}" type="datetimeFigureOut">
               <a:rPr lang="en-US" dirty="0"/>
               <a:pPr/>
-              <a:t>4/13/2021</a:t>
+              <a:t>5/4/2021</a:t>
             </a:fld>
             <a:endParaRPr lang="en-US" dirty="0"/>
           </a:p>
@@ -2245,7 +2246,7 @@
           </a:lstStyle>
           <a:p>
             <a:r>
-              <a:rPr lang="en-US" smtClean="0"/>
+              <a:rPr lang="en-US"/>
               <a:t>Click to edit Master title style</a:t>
             </a:r>
             <a:endParaRPr lang="en-US" dirty="0"/>
@@ -2306,7 +2307,7 @@
           <a:p>
             <a:pPr lvl="0"/>
             <a:r>
-              <a:rPr lang="en-US" smtClean="0"/>
+              <a:rPr lang="en-US"/>
               <a:t>Click to edit Master text styles</a:t>
             </a:r>
           </a:p>
@@ -2428,7 +2429,7 @@
           <a:p>
             <a:pPr lvl="0"/>
             <a:r>
-              <a:rPr lang="en-US" smtClean="0"/>
+              <a:rPr lang="en-US"/>
               <a:t>Click to edit Master text styles</a:t>
             </a:r>
           </a:p>
@@ -2452,7 +2453,7 @@
             <a:fld id="{B61BEF0D-F0BB-DE4B-95CE-6DB70DBA9567}" type="datetimeFigureOut">
               <a:rPr lang="en-US" dirty="0"/>
               <a:pPr/>
-              <a:t>4/13/2021</a:t>
+              <a:t>5/4/2021</a:t>
             </a:fld>
             <a:endParaRPr lang="en-US" dirty="0"/>
           </a:p>
@@ -2542,7 +2543,7 @@
           <a:lstStyle/>
           <a:p>
             <a:r>
-              <a:rPr lang="en-US" smtClean="0"/>
+              <a:rPr lang="en-US"/>
               <a:t>Click to edit Master title style</a:t>
             </a:r>
             <a:endParaRPr lang="en-US" dirty="0"/>
@@ -2566,35 +2567,35 @@
           <a:p>
             <a:pPr lvl="0"/>
             <a:r>
-              <a:rPr lang="en-US" smtClean="0"/>
+              <a:rPr lang="en-US"/>
               <a:t>Click to edit Master text styles</a:t>
             </a:r>
           </a:p>
           <a:p>
             <a:pPr lvl="1"/>
             <a:r>
-              <a:rPr lang="en-US" smtClean="0"/>
+              <a:rPr lang="en-US"/>
               <a:t>Second level</a:t>
             </a:r>
           </a:p>
           <a:p>
             <a:pPr lvl="2"/>
             <a:r>
-              <a:rPr lang="en-US" smtClean="0"/>
+              <a:rPr lang="en-US"/>
               <a:t>Third level</a:t>
             </a:r>
           </a:p>
           <a:p>
             <a:pPr lvl="3"/>
             <a:r>
-              <a:rPr lang="en-US" smtClean="0"/>
+              <a:rPr lang="en-US"/>
               <a:t>Fourth level</a:t>
             </a:r>
           </a:p>
           <a:p>
             <a:pPr lvl="4"/>
             <a:r>
-              <a:rPr lang="en-US" smtClean="0"/>
+              <a:rPr lang="en-US"/>
               <a:t>Fifth level</a:t>
             </a:r>
             <a:endParaRPr lang="en-US" dirty="0"/>
@@ -2618,7 +2619,7 @@
           <a:p>
             <a:fld id="{55C6B4A9-1611-4792-9094-5F34BCA07E0B}" type="datetimeFigureOut">
               <a:rPr lang="en-US" dirty="0"/>
-              <a:t>4/13/2021</a:t>
+              <a:t>5/4/2021</a:t>
             </a:fld>
             <a:endParaRPr lang="en-US" dirty="0"/>
           </a:p>
@@ -2712,7 +2713,7 @@
           <a:lstStyle/>
           <a:p>
             <a:r>
-              <a:rPr lang="en-US" smtClean="0"/>
+              <a:rPr lang="en-US"/>
               <a:t>Click to edit Master title style</a:t>
             </a:r>
             <a:endParaRPr lang="en-US" dirty="0"/>
@@ -2741,35 +2742,35 @@
           <a:p>
             <a:pPr lvl="0"/>
             <a:r>
-              <a:rPr lang="en-US" smtClean="0"/>
+              <a:rPr lang="en-US"/>
               <a:t>Click to edit Master text styles</a:t>
             </a:r>
           </a:p>
           <a:p>
             <a:pPr lvl="1"/>
             <a:r>
-              <a:rPr lang="en-US" smtClean="0"/>
+              <a:rPr lang="en-US"/>
               <a:t>Second level</a:t>
             </a:r>
           </a:p>
           <a:p>
             <a:pPr lvl="2"/>
             <a:r>
-              <a:rPr lang="en-US" smtClean="0"/>
+              <a:rPr lang="en-US"/>
               <a:t>Third level</a:t>
             </a:r>
           </a:p>
           <a:p>
             <a:pPr lvl="3"/>
             <a:r>
-              <a:rPr lang="en-US" smtClean="0"/>
+              <a:rPr lang="en-US"/>
               <a:t>Fourth level</a:t>
             </a:r>
           </a:p>
           <a:p>
             <a:pPr lvl="4"/>
             <a:r>
-              <a:rPr lang="en-US" smtClean="0"/>
+              <a:rPr lang="en-US"/>
               <a:t>Fifth level</a:t>
             </a:r>
             <a:endParaRPr lang="en-US" dirty="0"/>
@@ -2794,7 +2795,7 @@
             <a:fld id="{B61BEF0D-F0BB-DE4B-95CE-6DB70DBA9567}" type="datetimeFigureOut">
               <a:rPr lang="en-US" dirty="0"/>
               <a:pPr/>
-              <a:t>4/13/2021</a:t>
+              <a:t>5/4/2021</a:t>
             </a:fld>
             <a:endParaRPr lang="en-US" dirty="0"/>
           </a:p>
@@ -2884,7 +2885,7 @@
           <a:lstStyle/>
           <a:p>
             <a:r>
-              <a:rPr lang="en-US" smtClean="0"/>
+              <a:rPr lang="en-US"/>
               <a:t>Click to edit Master title style</a:t>
             </a:r>
             <a:endParaRPr lang="en-US" dirty="0"/>
@@ -2908,35 +2909,35 @@
           <a:p>
             <a:pPr lvl="0"/>
             <a:r>
-              <a:rPr lang="en-US" smtClean="0"/>
+              <a:rPr lang="en-US"/>
               <a:t>Click to edit Master text styles</a:t>
             </a:r>
           </a:p>
           <a:p>
             <a:pPr lvl="1"/>
             <a:r>
-              <a:rPr lang="en-US" smtClean="0"/>
+              <a:rPr lang="en-US"/>
               <a:t>Second level</a:t>
             </a:r>
           </a:p>
           <a:p>
             <a:pPr lvl="2"/>
             <a:r>
-              <a:rPr lang="en-US" smtClean="0"/>
+              <a:rPr lang="en-US"/>
               <a:t>Third level</a:t>
             </a:r>
           </a:p>
           <a:p>
             <a:pPr lvl="3"/>
             <a:r>
-              <a:rPr lang="en-US" smtClean="0"/>
+              <a:rPr lang="en-US"/>
               <a:t>Fourth level</a:t>
             </a:r>
           </a:p>
           <a:p>
             <a:pPr lvl="4"/>
             <a:r>
-              <a:rPr lang="en-US" smtClean="0"/>
+              <a:rPr lang="en-US"/>
               <a:t>Fifth level</a:t>
             </a:r>
             <a:endParaRPr lang="en-US" dirty="0"/>
@@ -2960,7 +2961,7 @@
           <a:p>
             <a:fld id="{42A54C80-263E-416B-A8E0-580EDEADCBDC}" type="datetimeFigureOut">
               <a:rPr lang="en-US" dirty="0"/>
-              <a:t>4/13/2021</a:t>
+              <a:t>5/4/2021</a:t>
             </a:fld>
             <a:endParaRPr lang="en-US" dirty="0"/>
           </a:p>
@@ -3058,7 +3059,7 @@
           </a:lstStyle>
           <a:p>
             <a:r>
-              <a:rPr lang="en-US" smtClean="0"/>
+              <a:rPr lang="en-US"/>
               <a:t>Click to edit Master title style</a:t>
             </a:r>
             <a:endParaRPr lang="en-US" dirty="0"/>
@@ -3179,7 +3180,7 @@
           <a:p>
             <a:pPr lvl="0"/>
             <a:r>
-              <a:rPr lang="en-US" smtClean="0"/>
+              <a:rPr lang="en-US"/>
               <a:t>Click to edit Master text styles</a:t>
             </a:r>
           </a:p>
@@ -3203,7 +3204,7 @@
             <a:fld id="{B61BEF0D-F0BB-DE4B-95CE-6DB70DBA9567}" type="datetimeFigureOut">
               <a:rPr lang="en-US" dirty="0"/>
               <a:pPr/>
-              <a:t>4/13/2021</a:t>
+              <a:t>5/4/2021</a:t>
             </a:fld>
             <a:endParaRPr lang="en-US" dirty="0"/>
           </a:p>
@@ -3293,7 +3294,7 @@
           <a:lstStyle/>
           <a:p>
             <a:r>
-              <a:rPr lang="en-US" smtClean="0"/>
+              <a:rPr lang="en-US"/>
               <a:t>Click to edit Master title style</a:t>
             </a:r>
             <a:endParaRPr lang="en-US" dirty="0"/>
@@ -3322,35 +3323,35 @@
           <a:p>
             <a:pPr lvl="0"/>
             <a:r>
-              <a:rPr lang="en-US" smtClean="0"/>
+              <a:rPr lang="en-US"/>
               <a:t>Click to edit Master text styles</a:t>
             </a:r>
           </a:p>
           <a:p>
             <a:pPr lvl="1"/>
             <a:r>
-              <a:rPr lang="en-US" smtClean="0"/>
+              <a:rPr lang="en-US"/>
               <a:t>Second level</a:t>
             </a:r>
           </a:p>
           <a:p>
             <a:pPr lvl="2"/>
             <a:r>
-              <a:rPr lang="en-US" smtClean="0"/>
+              <a:rPr lang="en-US"/>
               <a:t>Third level</a:t>
             </a:r>
           </a:p>
           <a:p>
             <a:pPr lvl="3"/>
             <a:r>
-              <a:rPr lang="en-US" smtClean="0"/>
+              <a:rPr lang="en-US"/>
               <a:t>Fourth level</a:t>
             </a:r>
           </a:p>
           <a:p>
             <a:pPr lvl="4"/>
             <a:r>
-              <a:rPr lang="en-US" smtClean="0"/>
+              <a:rPr lang="en-US"/>
               <a:t>Fifth level</a:t>
             </a:r>
             <a:endParaRPr lang="en-US" dirty="0"/>
@@ -3379,35 +3380,35 @@
           <a:p>
             <a:pPr lvl="0"/>
             <a:r>
-              <a:rPr lang="en-US" smtClean="0"/>
+              <a:rPr lang="en-US"/>
               <a:t>Click to edit Master text styles</a:t>
             </a:r>
           </a:p>
           <a:p>
             <a:pPr lvl="1"/>
             <a:r>
-              <a:rPr lang="en-US" smtClean="0"/>
+              <a:rPr lang="en-US"/>
               <a:t>Second level</a:t>
             </a:r>
           </a:p>
           <a:p>
             <a:pPr lvl="2"/>
             <a:r>
-              <a:rPr lang="en-US" smtClean="0"/>
+              <a:rPr lang="en-US"/>
               <a:t>Third level</a:t>
             </a:r>
           </a:p>
           <a:p>
             <a:pPr lvl="3"/>
             <a:r>
-              <a:rPr lang="en-US" smtClean="0"/>
+              <a:rPr lang="en-US"/>
               <a:t>Fourth level</a:t>
             </a:r>
           </a:p>
           <a:p>
             <a:pPr lvl="4"/>
             <a:r>
-              <a:rPr lang="en-US" smtClean="0"/>
+              <a:rPr lang="en-US"/>
               <a:t>Fifth level</a:t>
             </a:r>
             <a:endParaRPr lang="en-US" dirty="0"/>
@@ -3431,7 +3432,7 @@
           <a:p>
             <a:fld id="{42A54C80-263E-416B-A8E0-580EDEADCBDC}" type="datetimeFigureOut">
               <a:rPr lang="en-US" dirty="0"/>
-              <a:t>4/13/2021</a:t>
+              <a:t>5/4/2021</a:t>
             </a:fld>
             <a:endParaRPr lang="en-US" dirty="0"/>
           </a:p>
@@ -3524,7 +3525,7 @@
           </a:lstStyle>
           <a:p>
             <a:r>
-              <a:rPr lang="en-US" smtClean="0"/>
+              <a:rPr lang="en-US"/>
               <a:t>Click to edit Master title style</a:t>
             </a:r>
             <a:endParaRPr lang="en-US" dirty="0"/>
@@ -3592,7 +3593,7 @@
           <a:p>
             <a:pPr lvl="0"/>
             <a:r>
-              <a:rPr lang="en-US" smtClean="0"/>
+              <a:rPr lang="en-US"/>
               <a:t>Click to edit Master text styles</a:t>
             </a:r>
           </a:p>
@@ -3622,35 +3623,35 @@
           <a:p>
             <a:pPr lvl="0"/>
             <a:r>
-              <a:rPr lang="en-US" smtClean="0"/>
+              <a:rPr lang="en-US"/>
               <a:t>Click to edit Master text styles</a:t>
             </a:r>
           </a:p>
           <a:p>
             <a:pPr lvl="1"/>
             <a:r>
-              <a:rPr lang="en-US" smtClean="0"/>
+              <a:rPr lang="en-US"/>
               <a:t>Second level</a:t>
             </a:r>
           </a:p>
           <a:p>
             <a:pPr lvl="2"/>
             <a:r>
-              <a:rPr lang="en-US" smtClean="0"/>
+              <a:rPr lang="en-US"/>
               <a:t>Third level</a:t>
             </a:r>
           </a:p>
           <a:p>
             <a:pPr lvl="3"/>
             <a:r>
-              <a:rPr lang="en-US" smtClean="0"/>
+              <a:rPr lang="en-US"/>
               <a:t>Fourth level</a:t>
             </a:r>
           </a:p>
           <a:p>
             <a:pPr lvl="4"/>
             <a:r>
-              <a:rPr lang="en-US" smtClean="0"/>
+              <a:rPr lang="en-US"/>
               <a:t>Fifth level</a:t>
             </a:r>
             <a:endParaRPr lang="en-US" dirty="0"/>
@@ -3718,7 +3719,7 @@
           <a:p>
             <a:pPr lvl="0"/>
             <a:r>
-              <a:rPr lang="en-US" smtClean="0"/>
+              <a:rPr lang="en-US"/>
               <a:t>Click to edit Master text styles</a:t>
             </a:r>
           </a:p>
@@ -3748,35 +3749,35 @@
           <a:p>
             <a:pPr lvl="0"/>
             <a:r>
-              <a:rPr lang="en-US" smtClean="0"/>
+              <a:rPr lang="en-US"/>
               <a:t>Click to edit Master text styles</a:t>
             </a:r>
           </a:p>
           <a:p>
             <a:pPr lvl="1"/>
             <a:r>
-              <a:rPr lang="en-US" smtClean="0"/>
+              <a:rPr lang="en-US"/>
               <a:t>Second level</a:t>
             </a:r>
           </a:p>
           <a:p>
             <a:pPr lvl="2"/>
             <a:r>
-              <a:rPr lang="en-US" smtClean="0"/>
+              <a:rPr lang="en-US"/>
               <a:t>Third level</a:t>
             </a:r>
           </a:p>
           <a:p>
             <a:pPr lvl="3"/>
             <a:r>
-              <a:rPr lang="en-US" smtClean="0"/>
+              <a:rPr lang="en-US"/>
               <a:t>Fourth level</a:t>
             </a:r>
           </a:p>
           <a:p>
             <a:pPr lvl="4"/>
             <a:r>
-              <a:rPr lang="en-US" smtClean="0"/>
+              <a:rPr lang="en-US"/>
               <a:t>Fifth level</a:t>
             </a:r>
             <a:endParaRPr lang="en-US" dirty="0"/>
@@ -3801,7 +3802,7 @@
             <a:fld id="{B61BEF0D-F0BB-DE4B-95CE-6DB70DBA9567}" type="datetimeFigureOut">
               <a:rPr lang="en-US" dirty="0"/>
               <a:pPr/>
-              <a:t>4/13/2021</a:t>
+              <a:t>5/4/2021</a:t>
             </a:fld>
             <a:endParaRPr lang="en-US" dirty="0"/>
           </a:p>
@@ -3896,7 +3897,7 @@
           <a:lstStyle/>
           <a:p>
             <a:r>
-              <a:rPr lang="en-US" smtClean="0"/>
+              <a:rPr lang="en-US"/>
               <a:t>Click to edit Master title style</a:t>
             </a:r>
             <a:endParaRPr lang="en-US" dirty="0"/>
@@ -3921,7 +3922,7 @@
             <a:fld id="{B61BEF0D-F0BB-DE4B-95CE-6DB70DBA9567}" type="datetimeFigureOut">
               <a:rPr lang="en-US" dirty="0"/>
               <a:pPr/>
-              <a:t>4/13/2021</a:t>
+              <a:t>5/4/2021</a:t>
             </a:fld>
             <a:endParaRPr lang="en-US" dirty="0"/>
           </a:p>
@@ -4013,7 +4014,7 @@
             <a:fld id="{B61BEF0D-F0BB-DE4B-95CE-6DB70DBA9567}" type="datetimeFigureOut">
               <a:rPr lang="en-US" dirty="0"/>
               <a:pPr/>
-              <a:t>4/13/2021</a:t>
+              <a:t>5/4/2021</a:t>
             </a:fld>
             <a:endParaRPr lang="en-US" dirty="0"/>
           </a:p>
@@ -4114,7 +4115,7 @@
           </a:lstStyle>
           <a:p>
             <a:r>
-              <a:rPr lang="en-US" smtClean="0"/>
+              <a:rPr lang="en-US"/>
               <a:t>Click to edit Master title style</a:t>
             </a:r>
             <a:endParaRPr lang="en-US" dirty="0"/>
@@ -4145,35 +4146,35 @@
           <a:p>
             <a:pPr lvl="0"/>
             <a:r>
-              <a:rPr lang="en-US" smtClean="0"/>
+              <a:rPr lang="en-US"/>
               <a:t>Click to edit Master text styles</a:t>
             </a:r>
           </a:p>
           <a:p>
             <a:pPr lvl="1"/>
             <a:r>
-              <a:rPr lang="en-US" smtClean="0"/>
+              <a:rPr lang="en-US"/>
               <a:t>Second level</a:t>
             </a:r>
           </a:p>
           <a:p>
             <a:pPr lvl="2"/>
             <a:r>
-              <a:rPr lang="en-US" smtClean="0"/>
+              <a:rPr lang="en-US"/>
               <a:t>Third level</a:t>
             </a:r>
           </a:p>
           <a:p>
             <a:pPr lvl="3"/>
             <a:r>
-              <a:rPr lang="en-US" smtClean="0"/>
+              <a:rPr lang="en-US"/>
               <a:t>Fourth level</a:t>
             </a:r>
           </a:p>
           <a:p>
             <a:pPr lvl="4"/>
             <a:r>
-              <a:rPr lang="en-US" smtClean="0"/>
+              <a:rPr lang="en-US"/>
               <a:t>Fifth level</a:t>
             </a:r>
             <a:endParaRPr lang="en-US" dirty="0"/>
@@ -4241,7 +4242,7 @@
           <a:p>
             <a:pPr lvl="0"/>
             <a:r>
-              <a:rPr lang="en-US" smtClean="0"/>
+              <a:rPr lang="en-US"/>
               <a:t>Click to edit Master text styles</a:t>
             </a:r>
           </a:p>
@@ -4264,7 +4265,7 @@
           <a:p>
             <a:fld id="{42A54C80-263E-416B-A8E0-580EDEADCBDC}" type="datetimeFigureOut">
               <a:rPr lang="en-US" dirty="0"/>
-              <a:t>4/13/2021</a:t>
+              <a:t>5/4/2021</a:t>
             </a:fld>
             <a:endParaRPr lang="en-US" dirty="0"/>
           </a:p>
@@ -4364,7 +4365,7 @@
           </a:lstStyle>
           <a:p>
             <a:r>
-              <a:rPr lang="en-US" smtClean="0"/>
+              <a:rPr lang="en-US"/>
               <a:t>Click to edit Master title style</a:t>
             </a:r>
             <a:endParaRPr lang="en-US" dirty="0"/>
@@ -4431,7 +4432,7 @@
           </a:lstStyle>
           <a:p>
             <a:r>
-              <a:rPr lang="en-US" smtClean="0"/>
+              <a:rPr lang="en-US"/>
               <a:t>Click icon to add picture</a:t>
             </a:r>
             <a:endParaRPr lang="en-US" dirty="0"/>
@@ -4499,7 +4500,7 @@
           <a:p>
             <a:pPr lvl="0"/>
             <a:r>
-              <a:rPr lang="en-US" smtClean="0"/>
+              <a:rPr lang="en-US"/>
               <a:t>Click to edit Master text styles</a:t>
             </a:r>
           </a:p>
@@ -4566,7 +4567,7 @@
             <a:fld id="{B61BEF0D-F0BB-DE4B-95CE-6DB70DBA9567}" type="datetimeFigureOut">
               <a:rPr lang="en-US" dirty="0"/>
               <a:pPr/>
-              <a:t>4/13/2021</a:t>
+              <a:t>5/4/2021</a:t>
             </a:fld>
             <a:endParaRPr lang="en-US" dirty="0"/>
           </a:p>
@@ -5159,7 +5160,7 @@
           <a:lstStyle/>
           <a:p>
             <a:r>
-              <a:rPr lang="en-US" smtClean="0"/>
+              <a:rPr lang="en-US"/>
               <a:t>Click to edit Master title style</a:t>
             </a:r>
             <a:endParaRPr lang="en-US" dirty="0"/>
@@ -5193,35 +5194,35 @@
           <a:p>
             <a:pPr lvl="0"/>
             <a:r>
-              <a:rPr lang="en-US" smtClean="0"/>
+              <a:rPr lang="en-US"/>
               <a:t>Click to edit Master text styles</a:t>
             </a:r>
           </a:p>
           <a:p>
             <a:pPr lvl="1"/>
             <a:r>
-              <a:rPr lang="en-US" smtClean="0"/>
+              <a:rPr lang="en-US"/>
               <a:t>Second level</a:t>
             </a:r>
           </a:p>
           <a:p>
             <a:pPr lvl="2"/>
             <a:r>
-              <a:rPr lang="en-US" smtClean="0"/>
+              <a:rPr lang="en-US"/>
               <a:t>Third level</a:t>
             </a:r>
           </a:p>
           <a:p>
             <a:pPr lvl="3"/>
             <a:r>
-              <a:rPr lang="en-US" smtClean="0"/>
+              <a:rPr lang="en-US"/>
               <a:t>Fourth level</a:t>
             </a:r>
           </a:p>
           <a:p>
             <a:pPr lvl="4"/>
             <a:r>
-              <a:rPr lang="en-US" smtClean="0"/>
+              <a:rPr lang="en-US"/>
               <a:t>Fifth level</a:t>
             </a:r>
             <a:endParaRPr lang="en-US" dirty="0"/>
@@ -5264,7 +5265,7 @@
             <a:fld id="{B61BEF0D-F0BB-DE4B-95CE-6DB70DBA9567}" type="datetimeFigureOut">
               <a:rPr lang="en-US" dirty="0"/>
               <a:pPr/>
-              <a:t>4/13/2021</a:t>
+              <a:t>5/4/2021</a:t>
             </a:fld>
             <a:endParaRPr lang="en-US" dirty="0"/>
           </a:p>
@@ -5800,33 +5801,16 @@
           <a:lstStyle/>
           <a:p>
             <a:r>
-              <a:rPr lang="hr-HR" dirty="0" smtClean="0"/>
-              <a:t>Student </a:t>
-            </a:r>
-            <a:r>
-              <a:rPr lang="hr-HR" dirty="0" err="1" smtClean="0"/>
-              <a:t>preformance</a:t>
-            </a:r>
-            <a:r>
               <a:rPr lang="hr-HR" dirty="0"/>
-              <a:t/>
+              <a:t>Student performance</a:t>
             </a:r>
             <a:br>
               <a:rPr lang="hr-HR" dirty="0"/>
             </a:br>
             <a:r>
-              <a:rPr lang="hr-HR" dirty="0" err="1" smtClean="0"/>
-              <a:t>in</a:t>
-            </a:r>
-            <a:r>
-              <a:rPr lang="hr-HR" dirty="0" smtClean="0"/>
-              <a:t> </a:t>
-            </a:r>
-            <a:r>
-              <a:rPr lang="hr-HR" dirty="0" err="1" smtClean="0"/>
-              <a:t>Exams</a:t>
-            </a:r>
-            <a:endParaRPr lang="hr-HR" dirty="0"/>
+              <a:rPr lang="hr-HR" dirty="0"/>
+              <a:t>in Exams</a:t>
+            </a:r>
           </a:p>
         </p:txBody>
       </p:sp>
@@ -5846,10 +5830,9 @@
           <a:lstStyle/>
           <a:p>
             <a:r>
-              <a:rPr lang="hr-HR" dirty="0" smtClean="0"/>
+              <a:rPr lang="hr-HR" dirty="0"/>
               <a:t>Projektni prijedlog</a:t>
             </a:r>
-            <a:endParaRPr lang="hr-HR" dirty="0"/>
           </a:p>
         </p:txBody>
       </p:sp>
@@ -5876,10 +5859,9 @@
           <a:lstStyle/>
           <a:p>
             <a:r>
-              <a:rPr lang="hr-HR" dirty="0" smtClean="0"/>
+              <a:rPr lang="hr-HR" dirty="0"/>
               <a:t>PMF - MO</a:t>
             </a:r>
-            <a:endParaRPr lang="hr-HR" dirty="0"/>
           </a:p>
         </p:txBody>
       </p:sp>
@@ -5906,15 +5888,15 @@
           <a:lstStyle/>
           <a:p>
             <a:r>
-              <a:rPr lang="hr-HR" dirty="0" err="1" smtClean="0"/>
+              <a:rPr lang="hr-HR" dirty="0" err="1"/>
               <a:t>Epsilon</a:t>
             </a:r>
             <a:r>
-              <a:rPr lang="hr-HR" dirty="0" smtClean="0"/>
+              <a:rPr lang="hr-HR" dirty="0"/>
               <a:t> </a:t>
             </a:r>
             <a:r>
-              <a:rPr lang="el-GR" dirty="0" smtClean="0">
+              <a:rPr lang="el-GR" dirty="0">
                 <a:latin typeface="Calibri" panose="020F0502020204030204" pitchFamily="34" charset="0"/>
               </a:rPr>
               <a:t>ε</a:t>
@@ -5974,10 +5956,9 @@
           <a:lstStyle/>
           <a:p>
             <a:r>
-              <a:rPr lang="hr-HR" dirty="0" smtClean="0"/>
+              <a:rPr lang="hr-HR" dirty="0"/>
               <a:t>Uvod i opis</a:t>
             </a:r>
-            <a:endParaRPr lang="hr-HR" dirty="0"/>
           </a:p>
         </p:txBody>
       </p:sp>
@@ -5993,109 +5974,52 @@
         </p:nvSpPr>
         <p:spPr>
           <a:xfrm>
-            <a:off x="677334" y="1678489"/>
-            <a:ext cx="5260003" cy="4362874"/>
+            <a:off x="677334" y="2196123"/>
+            <a:ext cx="5260003" cy="2602523"/>
           </a:xfrm>
         </p:spPr>
         <p:txBody>
-          <a:bodyPr/>
-          <a:lstStyle/>
-          <a:p>
-            <a:r>
-              <a:rPr lang="hr-HR" dirty="0" smtClean="0"/>
+          <a:bodyPr>
+            <a:normAutofit/>
+          </a:bodyPr>
+          <a:lstStyle/>
+          <a:p>
+            <a:r>
+              <a:rPr lang="hr-HR" dirty="0"/>
               <a:t>Naš data set:</a:t>
             </a:r>
           </a:p>
           <a:p>
             <a:pPr lvl="1"/>
             <a:r>
+              <a:rPr lang="hr-HR" dirty="0">
+                <a:hlinkClick r:id="rId2"/>
+              </a:rPr>
+              <a:t>https://www.kaggle.com/spscientist/students-performance-in-exams</a:t>
+            </a:r>
+            <a:endParaRPr lang="hr-HR" dirty="0"/>
+          </a:p>
+          <a:p>
+            <a:pPr lvl="1"/>
+            <a:endParaRPr lang="hr-HR" dirty="0"/>
+          </a:p>
+          <a:p>
+            <a:pPr lvl="1"/>
+            <a:r>
               <a:rPr lang="hr-HR" dirty="0"/>
-              <a:t>https://www.kaggle.com/spscientist/students-performance-in-exams</a:t>
+              <a:t>Tablica studenata s rezultatima iz ispita</a:t>
             </a:r>
           </a:p>
           <a:p>
             <a:pPr lvl="1"/>
-            <a:r>
-              <a:rPr lang="hr-HR" dirty="0" smtClean="0"/>
-              <a:t>Tablica studenata s rezultatima iz ispita</a:t>
-            </a:r>
+            <a:endParaRPr lang="hr-HR" dirty="0"/>
           </a:p>
           <a:p>
             <a:pPr lvl="1"/>
             <a:r>
-              <a:rPr lang="hr-HR" dirty="0" smtClean="0"/>
+              <a:rPr lang="hr-HR" dirty="0"/>
               <a:t>Ispiti iz Matematike, pisanja i čitanja</a:t>
             </a:r>
-          </a:p>
-          <a:p>
-            <a:r>
-              <a:rPr lang="hr-HR" dirty="0" smtClean="0"/>
-              <a:t>Atributi studenata:</a:t>
-            </a:r>
-          </a:p>
-          <a:p>
-            <a:pPr lvl="1"/>
-            <a:r>
-              <a:rPr lang="hr-HR" dirty="0" smtClean="0"/>
-              <a:t>Spol (M/Ž)</a:t>
-            </a:r>
-          </a:p>
-          <a:p>
-            <a:pPr lvl="1"/>
-            <a:r>
-              <a:rPr lang="hr-HR" dirty="0" smtClean="0"/>
-              <a:t>Rasna grupa (A,B,C,D ili E)</a:t>
-            </a:r>
-          </a:p>
-          <a:p>
-            <a:pPr lvl="1"/>
-            <a:r>
-              <a:rPr lang="hr-HR" dirty="0" smtClean="0"/>
-              <a:t>Stupanj obrazovanja</a:t>
-            </a:r>
-          </a:p>
-          <a:p>
-            <a:pPr lvl="1"/>
-            <a:r>
-              <a:rPr lang="hr-HR" dirty="0" err="1" smtClean="0"/>
-              <a:t>Lunch</a:t>
-            </a:r>
-            <a:r>
-              <a:rPr lang="hr-HR" dirty="0" smtClean="0"/>
-              <a:t> (</a:t>
-            </a:r>
-            <a:r>
-              <a:rPr lang="hr-HR" dirty="0" err="1" smtClean="0"/>
-              <a:t>tandard</a:t>
-            </a:r>
-            <a:r>
-              <a:rPr lang="hr-HR" dirty="0" smtClean="0"/>
-              <a:t> ili free/</a:t>
-            </a:r>
-            <a:r>
-              <a:rPr lang="hr-HR" dirty="0" err="1" smtClean="0"/>
-              <a:t>reduced</a:t>
-            </a:r>
-            <a:r>
-              <a:rPr lang="hr-HR" dirty="0" smtClean="0"/>
-              <a:t>)</a:t>
-            </a:r>
-          </a:p>
-          <a:p>
-            <a:pPr lvl="1"/>
-            <a:r>
-              <a:rPr lang="hr-HR" dirty="0" smtClean="0"/>
-              <a:t>Priprema (none ili </a:t>
-            </a:r>
-            <a:r>
-              <a:rPr lang="hr-HR" dirty="0" err="1" smtClean="0"/>
-              <a:t>completed</a:t>
-            </a:r>
-            <a:r>
-              <a:rPr lang="hr-HR" dirty="0" smtClean="0"/>
-              <a:t>)</a:t>
-            </a:r>
-            <a:endParaRPr lang="hr-HR" dirty="0"/>
           </a:p>
         </p:txBody>
       </p:sp>
@@ -6107,16 +6031,68 @@
           </p:cNvPicPr>
           <p:nvPr/>
         </p:nvPicPr>
-        <p:blipFill>
-          <a:blip r:embed="rId2"/>
-          <a:stretch>
-            <a:fillRect/>
-          </a:stretch>
+        <p:blipFill rotWithShape="1">
+          <a:blip r:embed="rId3">
+            <a:extLst>
+              <a:ext uri="{BEBA8EAE-BF5A-486C-A8C5-ECC9F3942E4B}">
+                <a14:imgProps xmlns:a14="http://schemas.microsoft.com/office/drawing/2010/main">
+                  <a14:imgLayer r:embed="rId4">
+                    <a14:imgEffect>
+                      <a14:colorTemperature colorTemp="11200"/>
+                    </a14:imgEffect>
+                  </a14:imgLayer>
+                </a14:imgProps>
+              </a:ext>
+            </a:extLst>
+          </a:blip>
+          <a:srcRect l="67695" t="1447" r="951"/>
+          <a:stretch/>
         </p:blipFill>
         <p:spPr>
           <a:xfrm>
-            <a:off x="5937337" y="1100202"/>
-            <a:ext cx="6087649" cy="4952944"/>
+            <a:off x="10147177" y="1367161"/>
+            <a:ext cx="1908699" cy="4881240"/>
+          </a:xfrm>
+          <a:prstGeom prst="rect">
+            <a:avLst/>
+          </a:prstGeom>
+        </p:spPr>
+      </p:pic>
+      <p:pic>
+        <p:nvPicPr>
+          <p:cNvPr id="5" name="Picture 4">
+            <a:extLst>
+              <a:ext uri="{FF2B5EF4-FFF2-40B4-BE49-F238E27FC236}">
+                <a16:creationId xmlns:a16="http://schemas.microsoft.com/office/drawing/2014/main" id="{168E0DF2-1E95-4706-9672-BE8AA85FF8D0}"/>
+              </a:ext>
+            </a:extLst>
+          </p:cNvPr>
+          <p:cNvPicPr>
+            <a:picLocks noChangeAspect="1"/>
+          </p:cNvPicPr>
+          <p:nvPr/>
+        </p:nvPicPr>
+        <p:blipFill rotWithShape="1">
+          <a:blip r:embed="rId5">
+            <a:extLst>
+              <a:ext uri="{BEBA8EAE-BF5A-486C-A8C5-ECC9F3942E4B}">
+                <a14:imgProps xmlns:a14="http://schemas.microsoft.com/office/drawing/2010/main">
+                  <a14:imgLayer r:embed="rId4">
+                    <a14:imgEffect>
+                      <a14:colorTemperature colorTemp="5300"/>
+                    </a14:imgEffect>
+                  </a14:imgLayer>
+                </a14:imgProps>
+              </a:ext>
+            </a:extLst>
+          </a:blip>
+          <a:srcRect t="1447" r="32037"/>
+          <a:stretch/>
+        </p:blipFill>
+        <p:spPr>
+          <a:xfrm>
+            <a:off x="6009839" y="1367161"/>
+            <a:ext cx="4137338" cy="4881239"/>
           </a:xfrm>
           <a:prstGeom prst="rect">
             <a:avLst/>
@@ -6155,103 +6131,316 @@
       </p:grpSpPr>
       <p:sp>
         <p:nvSpPr>
-          <p:cNvPr id="2" name="Title 1"/>
+          <p:cNvPr id="2" name="Title 1">
+            <a:extLst>
+              <a:ext uri="{FF2B5EF4-FFF2-40B4-BE49-F238E27FC236}">
+                <a16:creationId xmlns:a16="http://schemas.microsoft.com/office/drawing/2014/main" id="{8AFFCD94-48AB-472B-901F-C55B4870B873}"/>
+              </a:ext>
+            </a:extLst>
+          </p:cNvPr>
           <p:cNvSpPr>
             <a:spLocks noGrp="1"/>
           </p:cNvSpPr>
           <p:nvPr>
             <p:ph type="title"/>
+          </p:nvPr>
+        </p:nvSpPr>
+        <p:spPr/>
+        <p:txBody>
+          <a:bodyPr/>
+          <a:lstStyle/>
+          <a:p>
+            <a:r>
+              <a:rPr lang="hr-HR" dirty="0"/>
+              <a:t>Cilj i atributi</a:t>
+            </a:r>
+          </a:p>
+        </p:txBody>
+      </p:sp>
+      <p:sp>
+        <p:nvSpPr>
+          <p:cNvPr id="3" name="Content Placeholder 2">
+            <a:extLst>
+              <a:ext uri="{FF2B5EF4-FFF2-40B4-BE49-F238E27FC236}">
+                <a16:creationId xmlns:a16="http://schemas.microsoft.com/office/drawing/2014/main" id="{61D8F0C8-E609-409D-8450-5A48CE36F4BA}"/>
+              </a:ext>
+            </a:extLst>
+          </p:cNvPr>
+          <p:cNvSpPr>
+            <a:spLocks noGrp="1"/>
+          </p:cNvSpPr>
+          <p:nvPr>
+            <p:ph idx="1"/>
           </p:nvPr>
         </p:nvSpPr>
         <p:spPr>
           <a:xfrm>
-            <a:off x="677334" y="609600"/>
-            <a:ext cx="8596668" cy="1006258"/>
+            <a:off x="286716" y="1411550"/>
+            <a:ext cx="8596668" cy="5042515"/>
           </a:xfrm>
         </p:spPr>
         <p:txBody>
-          <a:bodyPr/>
-          <a:lstStyle/>
-          <a:p>
-            <a:r>
-              <a:rPr lang="hr-HR" dirty="0" smtClean="0"/>
-              <a:t>Cilj i metode</a:t>
+          <a:bodyPr>
+            <a:normAutofit/>
+          </a:bodyPr>
+          <a:lstStyle/>
+          <a:p>
+            <a:r>
+              <a:rPr lang="hr-HR" dirty="0"/>
+              <a:t>Atributi studenata: </a:t>
+            </a:r>
+            <a:r>
+              <a:rPr lang="hr-HR" dirty="0">
+                <a:solidFill>
+                  <a:srgbClr val="FF0000"/>
+                </a:solidFill>
+              </a:rPr>
+              <a:t>&lt;svi su kategoričkog tipa&gt; </a:t>
             </a:r>
             <a:endParaRPr lang="hr-HR" dirty="0"/>
           </a:p>
-        </p:txBody>
-      </p:sp>
-      <p:sp>
-        <p:nvSpPr>
-          <p:cNvPr id="3" name="Content Placeholder 2"/>
-          <p:cNvSpPr>
-            <a:spLocks noGrp="1"/>
-          </p:cNvSpPr>
-          <p:nvPr>
-            <p:ph idx="1"/>
-          </p:nvPr>
-        </p:nvSpPr>
-        <p:spPr>
-          <a:xfrm>
-            <a:off x="677334" y="2160589"/>
-            <a:ext cx="4784014" cy="3880773"/>
-          </a:xfrm>
-        </p:spPr>
-        <p:txBody>
-          <a:bodyPr/>
-          <a:lstStyle/>
-          <a:p>
-            <a:r>
-              <a:rPr lang="hr-HR" dirty="0" smtClean="0"/>
-              <a:t>Cilj: Naučiti prediktor koji za poznate atribute daje očekivani broj bodova</a:t>
-            </a:r>
-          </a:p>
-          <a:p>
-            <a:r>
-              <a:rPr lang="hr-HR" dirty="0" smtClean="0"/>
+          <a:p>
+            <a:pPr lvl="1"/>
+            <a:r>
+              <a:rPr lang="hr-HR" dirty="0"/>
+              <a:t>Spol (</a:t>
+            </a:r>
+            <a:r>
+              <a:rPr lang="hr-HR" dirty="0">
+                <a:solidFill>
+                  <a:srgbClr val="00B050"/>
+                </a:solidFill>
+              </a:rPr>
+              <a:t>M</a:t>
+            </a:r>
+            <a:r>
+              <a:rPr lang="hr-HR" dirty="0"/>
+              <a:t>/</a:t>
+            </a:r>
+            <a:r>
+              <a:rPr lang="hr-HR" dirty="0">
+                <a:solidFill>
+                  <a:srgbClr val="00B050"/>
+                </a:solidFill>
+              </a:rPr>
+              <a:t>Ž</a:t>
+            </a:r>
+            <a:r>
+              <a:rPr lang="hr-HR" dirty="0"/>
+              <a:t>) </a:t>
+            </a:r>
+          </a:p>
+          <a:p>
+            <a:pPr lvl="1"/>
+            <a:r>
+              <a:rPr lang="hr-HR" dirty="0"/>
+              <a:t>Rasna grupa (</a:t>
+            </a:r>
+            <a:r>
+              <a:rPr lang="hr-HR" dirty="0">
+                <a:solidFill>
+                  <a:srgbClr val="00B050"/>
+                </a:solidFill>
+              </a:rPr>
+              <a:t>A</a:t>
+            </a:r>
+            <a:r>
+              <a:rPr lang="hr-HR" dirty="0"/>
+              <a:t>,</a:t>
+            </a:r>
+            <a:r>
+              <a:rPr lang="hr-HR" dirty="0">
+                <a:solidFill>
+                  <a:srgbClr val="00B050"/>
+                </a:solidFill>
+              </a:rPr>
+              <a:t>B</a:t>
+            </a:r>
+            <a:r>
+              <a:rPr lang="hr-HR" dirty="0"/>
+              <a:t>,</a:t>
+            </a:r>
+            <a:r>
+              <a:rPr lang="hr-HR" dirty="0">
+                <a:solidFill>
+                  <a:srgbClr val="00B050"/>
+                </a:solidFill>
+              </a:rPr>
+              <a:t>C</a:t>
+            </a:r>
+            <a:r>
+              <a:rPr lang="hr-HR" dirty="0"/>
+              <a:t>,</a:t>
+            </a:r>
+            <a:r>
+              <a:rPr lang="hr-HR" dirty="0">
+                <a:solidFill>
+                  <a:srgbClr val="00B050"/>
+                </a:solidFill>
+              </a:rPr>
+              <a:t>D</a:t>
+            </a:r>
+            <a:r>
+              <a:rPr lang="hr-HR" dirty="0"/>
+              <a:t> ili </a:t>
+            </a:r>
+            <a:r>
+              <a:rPr lang="hr-HR" dirty="0">
+                <a:solidFill>
+                  <a:srgbClr val="00B050"/>
+                </a:solidFill>
+              </a:rPr>
+              <a:t>E</a:t>
+            </a:r>
+            <a:r>
+              <a:rPr lang="hr-HR" dirty="0"/>
+              <a:t>)</a:t>
+            </a:r>
+          </a:p>
+          <a:p>
+            <a:pPr lvl="1"/>
+            <a:r>
+              <a:rPr lang="hr-HR" dirty="0"/>
+              <a:t>Stupanj obrazovanja</a:t>
+            </a:r>
+          </a:p>
+          <a:p>
+            <a:pPr lvl="1"/>
+            <a:r>
+              <a:rPr lang="hr-HR" dirty="0"/>
+              <a:t>Lunch (</a:t>
+            </a:r>
+            <a:r>
+              <a:rPr lang="hr-HR" dirty="0">
+                <a:solidFill>
+                  <a:srgbClr val="00B050"/>
+                </a:solidFill>
+              </a:rPr>
+              <a:t>standard</a:t>
+            </a:r>
+            <a:r>
+              <a:rPr lang="hr-HR" dirty="0"/>
+              <a:t> ili </a:t>
+            </a:r>
+            <a:r>
+              <a:rPr lang="hr-HR" dirty="0">
+                <a:solidFill>
+                  <a:srgbClr val="00B050"/>
+                </a:solidFill>
+              </a:rPr>
+              <a:t>free</a:t>
+            </a:r>
+            <a:r>
+              <a:rPr lang="hr-HR" dirty="0"/>
+              <a:t>/</a:t>
+            </a:r>
+            <a:r>
+              <a:rPr lang="hr-HR" dirty="0">
+                <a:solidFill>
+                  <a:srgbClr val="00B050"/>
+                </a:solidFill>
+              </a:rPr>
+              <a:t>reduced</a:t>
+            </a:r>
+            <a:r>
+              <a:rPr lang="hr-HR" dirty="0"/>
+              <a:t>)</a:t>
+            </a:r>
+          </a:p>
+          <a:p>
+            <a:pPr lvl="1"/>
+            <a:r>
+              <a:rPr lang="hr-HR" dirty="0"/>
+              <a:t>Priprema (</a:t>
+            </a:r>
+            <a:r>
+              <a:rPr lang="hr-HR" dirty="0">
+                <a:solidFill>
+                  <a:srgbClr val="00B050"/>
+                </a:solidFill>
+              </a:rPr>
+              <a:t>none</a:t>
+            </a:r>
+            <a:r>
+              <a:rPr lang="hr-HR" dirty="0"/>
+              <a:t> ili </a:t>
+            </a:r>
+            <a:r>
+              <a:rPr lang="hr-HR" dirty="0">
+                <a:solidFill>
+                  <a:srgbClr val="00B050"/>
+                </a:solidFill>
+              </a:rPr>
+              <a:t>completed</a:t>
+            </a:r>
+            <a:r>
+              <a:rPr lang="hr-HR" dirty="0"/>
+              <a:t>)</a:t>
+            </a:r>
+          </a:p>
+          <a:p>
+            <a:pPr lvl="1"/>
+            <a:endParaRPr lang="hr-HR" dirty="0"/>
+          </a:p>
+          <a:p>
+            <a:r>
+              <a:rPr lang="hr-HR" dirty="0"/>
+              <a:t>Cilj: Naučiti prediktor koji za poznate atribute daje </a:t>
+            </a:r>
+          </a:p>
+          <a:p>
+            <a:pPr marL="0" indent="0">
+              <a:buNone/>
+            </a:pPr>
+            <a:r>
+              <a:rPr lang="hr-HR" dirty="0"/>
+              <a:t>očekivani broj bodova</a:t>
+            </a:r>
+          </a:p>
+          <a:p>
+            <a:pPr marL="0" indent="0">
+              <a:buNone/>
+            </a:pPr>
+            <a:endParaRPr lang="hr-HR" dirty="0"/>
+          </a:p>
+          <a:p>
+            <a:r>
+              <a:rPr lang="hr-HR" dirty="0"/>
               <a:t>Mjera uspješnosti:</a:t>
             </a:r>
           </a:p>
           <a:p>
             <a:pPr lvl="1"/>
             <a:r>
-              <a:rPr lang="hr-HR" dirty="0" smtClean="0"/>
-              <a:t>Recipročna vrijednost prosjeka razlika predviđenog i stvarnog broja bodova</a:t>
-            </a:r>
-          </a:p>
-          <a:p>
-            <a:r>
-              <a:rPr lang="hr-HR" dirty="0" smtClean="0"/>
-              <a:t>Metode:</a:t>
+              <a:rPr lang="hr-HR" dirty="0"/>
+              <a:t>Recipročna vrijednost prosjeka razlika predviđenog i </a:t>
             </a:r>
           </a:p>
           <a:p>
             <a:pPr lvl="1"/>
             <a:r>
-              <a:rPr lang="hr-HR" dirty="0" smtClean="0"/>
-              <a:t>Logistička regresija</a:t>
+              <a:rPr lang="hr-HR" dirty="0"/>
+              <a:t>stvarnog broja bodova</a:t>
             </a:r>
           </a:p>
           <a:p>
             <a:pPr lvl="1"/>
-            <a:r>
-              <a:rPr lang="hr-HR" dirty="0" smtClean="0"/>
-              <a:t>Slučajne šume</a:t>
-            </a:r>
-          </a:p>
-          <a:p>
-            <a:pPr lvl="1"/>
-            <a:r>
-              <a:rPr lang="hr-HR" dirty="0" smtClean="0"/>
-              <a:t>SVM</a:t>
-            </a:r>
+            <a:endParaRPr lang="hr-HR" dirty="0"/>
+          </a:p>
+          <a:p>
             <a:endParaRPr lang="hr-HR" dirty="0"/>
           </a:p>
         </p:txBody>
       </p:sp>
       <p:pic>
         <p:nvPicPr>
-          <p:cNvPr id="6" name="Picture 5"/>
+          <p:cNvPr id="4" name="Picture 3">
+            <a:extLst>
+              <a:ext uri="{FF2B5EF4-FFF2-40B4-BE49-F238E27FC236}">
+                <a16:creationId xmlns:a16="http://schemas.microsoft.com/office/drawing/2014/main" id="{FC75DFA2-B106-4192-89DC-2D5F327492D9}"/>
+              </a:ext>
+            </a:extLst>
+          </p:cNvPr>
           <p:cNvPicPr>
             <a:picLocks noChangeAspect="1"/>
           </p:cNvPicPr>
@@ -6265,7 +6454,7 @@
         </p:blipFill>
         <p:spPr>
           <a:xfrm>
-            <a:off x="6100175" y="1615858"/>
+            <a:off x="6370164" y="1193819"/>
             <a:ext cx="5026440" cy="4974754"/>
           </a:xfrm>
           <a:prstGeom prst="rect">
@@ -6276,7 +6465,7 @@
     </p:spTree>
     <p:extLst>
       <p:ext uri="{BB962C8B-B14F-4D97-AF65-F5344CB8AC3E}">
-        <p14:creationId xmlns:p14="http://schemas.microsoft.com/office/powerpoint/2010/main" val="108618483"/>
+        <p14:creationId xmlns:p14="http://schemas.microsoft.com/office/powerpoint/2010/main" val="3487686972"/>
       </p:ext>
     </p:extLst>
   </p:cSld>
@@ -6305,7 +6494,13 @@
       </p:grpSpPr>
       <p:sp>
         <p:nvSpPr>
-          <p:cNvPr id="2" name="Title 1"/>
+          <p:cNvPr id="2" name="Title 1">
+            <a:extLst>
+              <a:ext uri="{FF2B5EF4-FFF2-40B4-BE49-F238E27FC236}">
+                <a16:creationId xmlns:a16="http://schemas.microsoft.com/office/drawing/2014/main" id="{8EBD7D38-DCCF-452E-85C6-A11741ACC160}"/>
+              </a:ext>
+            </a:extLst>
+          </p:cNvPr>
           <p:cNvSpPr>
             <a:spLocks noGrp="1"/>
           </p:cNvSpPr>
@@ -6319,74 +6514,168 @@
           <a:lstStyle/>
           <a:p>
             <a:r>
-              <a:rPr lang="hr-HR" dirty="0" smtClean="0"/>
+              <a:rPr lang="hr-HR" dirty="0"/>
+              <a:t>Priprema i odabir podataka</a:t>
+            </a:r>
+          </a:p>
+        </p:txBody>
+      </p:sp>
+      <p:sp>
+        <p:nvSpPr>
+          <p:cNvPr id="3" name="Content Placeholder 2">
+            <a:extLst>
+              <a:ext uri="{FF2B5EF4-FFF2-40B4-BE49-F238E27FC236}">
+                <a16:creationId xmlns:a16="http://schemas.microsoft.com/office/drawing/2014/main" id="{6066BF7B-4113-4B57-AD93-E3ED1E2DC211}"/>
+              </a:ext>
+            </a:extLst>
+          </p:cNvPr>
+          <p:cNvSpPr>
+            <a:spLocks noGrp="1"/>
+          </p:cNvSpPr>
+          <p:nvPr>
+            <p:ph idx="1"/>
+          </p:nvPr>
+        </p:nvSpPr>
+        <p:spPr/>
+        <p:txBody>
+          <a:bodyPr>
+            <a:normAutofit/>
+          </a:bodyPr>
+          <a:lstStyle/>
+          <a:p>
+            <a:r>
+              <a:rPr lang="hr-HR" dirty="0">
+                <a:solidFill>
+                  <a:schemeClr val="tx1"/>
+                </a:solidFill>
+                <a:latin typeface="+mj-lt"/>
+              </a:rPr>
+              <a:t>Outlieri</a:t>
+            </a:r>
+          </a:p>
+          <a:p>
+            <a:pPr lvl="1"/>
+            <a:r>
+              <a:rPr lang="hr-HR" dirty="0">
+                <a:latin typeface="+mj-lt"/>
+              </a:rPr>
+              <a:t>Micanje outliera iz dataseta zbog potrebe za boljom generalizacijom modela</a:t>
+            </a:r>
+          </a:p>
+          <a:p>
+            <a:pPr marL="457200" lvl="1" indent="0">
+              <a:buNone/>
+            </a:pPr>
+            <a:endParaRPr lang="hr-HR" dirty="0">
+              <a:solidFill>
+                <a:schemeClr val="tx1"/>
+              </a:solidFill>
+              <a:latin typeface="+mj-lt"/>
+            </a:endParaRPr>
+          </a:p>
+          <a:p>
+            <a:r>
+              <a:rPr lang="hr-HR" b="0" i="0" dirty="0">
+                <a:solidFill>
+                  <a:srgbClr val="000000"/>
+                </a:solidFill>
+                <a:effectLst/>
+                <a:latin typeface="+mj-lt"/>
+              </a:rPr>
+              <a:t>Label Encoding</a:t>
+            </a:r>
+          </a:p>
+          <a:p>
+            <a:pPr lvl="1"/>
+            <a:r>
+              <a:rPr lang="hr-HR" b="0" i="0" dirty="0">
+                <a:effectLst/>
+                <a:latin typeface="+mj-lt"/>
+              </a:rPr>
+              <a:t>Problem: kategoričke varijable </a:t>
+            </a:r>
+          </a:p>
+          <a:p>
+            <a:pPr lvl="1"/>
+            <a:r>
+              <a:rPr lang="hr-HR" i="0" dirty="0">
+                <a:effectLst/>
+                <a:latin typeface="+mj-lt"/>
+              </a:rPr>
+              <a:t>Solution: Dummy encoding (One-Hot-Encoding)</a:t>
+            </a:r>
+            <a:endParaRPr lang="hr-HR" dirty="0">
+              <a:latin typeface="+mj-lt"/>
+            </a:endParaRPr>
+          </a:p>
+          <a:p>
+            <a:pPr marL="457200" lvl="1" indent="0">
+              <a:buNone/>
+            </a:pPr>
+            <a:endParaRPr lang="hr-HR" b="0" i="0" dirty="0">
+              <a:effectLst/>
+              <a:latin typeface="+mj-lt"/>
+            </a:endParaRPr>
+          </a:p>
+          <a:p>
+            <a:r>
+              <a:rPr lang="hr-HR" dirty="0">
+                <a:solidFill>
+                  <a:schemeClr val="tx1"/>
+                </a:solidFill>
+                <a:latin typeface="+mj-lt"/>
+              </a:rPr>
               <a:t>Odabir skupa za učenje i testiranje</a:t>
             </a:r>
-            <a:endParaRPr lang="hr-HR" dirty="0"/>
-          </a:p>
-        </p:txBody>
-      </p:sp>
-      <p:sp>
-        <p:nvSpPr>
-          <p:cNvPr id="3" name="Content Placeholder 2"/>
-          <p:cNvSpPr>
-            <a:spLocks noGrp="1"/>
-          </p:cNvSpPr>
-          <p:nvPr>
-            <p:ph idx="1"/>
-          </p:nvPr>
-        </p:nvSpPr>
-        <p:spPr/>
-        <p:txBody>
-          <a:bodyPr/>
-          <a:lstStyle/>
-          <a:p>
-            <a:r>
-              <a:rPr lang="hr-HR" dirty="0" smtClean="0"/>
-              <a:t>Nasumično izbacivanje</a:t>
-            </a:r>
           </a:p>
           <a:p>
             <a:pPr lvl="1"/>
             <a:r>
-              <a:rPr lang="hr-HR" dirty="0" smtClean="0"/>
-              <a:t>Slučajnim odabirom odaberemo 20% podataka iz matrice za skup za testiranje</a:t>
+              <a:rPr lang="hr-HR" b="0" i="0" dirty="0">
+                <a:effectLst/>
+                <a:latin typeface="+mj-lt"/>
+              </a:rPr>
+              <a:t>Problem: mali set podataka (n &lt; 1000)</a:t>
             </a:r>
           </a:p>
           <a:p>
             <a:pPr lvl="1"/>
             <a:r>
-              <a:rPr lang="hr-HR" dirty="0" smtClean="0"/>
-              <a:t>Preostalih 80% koristimo za učenje</a:t>
-            </a:r>
-          </a:p>
-          <a:p>
-            <a:r>
-              <a:rPr lang="hr-HR" dirty="0" smtClean="0"/>
-              <a:t>Ciljano (pametno) izbacivanje</a:t>
+              <a:rPr lang="hr-HR" i="0" dirty="0">
+                <a:effectLst/>
+                <a:latin typeface="+mj-lt"/>
+              </a:rPr>
+              <a:t>Solution: </a:t>
+            </a:r>
+            <a:r>
+              <a:rPr lang="hr-HR" dirty="0">
+                <a:latin typeface="+mj-lt"/>
+              </a:rPr>
+              <a:t>Koristiti a</a:t>
+            </a:r>
+            <a:r>
+              <a:rPr lang="hr-HR" b="0" i="0" dirty="0">
+                <a:effectLst/>
+                <a:latin typeface="+mj-lt"/>
+              </a:rPr>
+              <a:t>rgumentaciju podataka?</a:t>
             </a:r>
           </a:p>
           <a:p>
             <a:pPr lvl="1"/>
-            <a:r>
-              <a:rPr lang="hr-HR" dirty="0" smtClean="0"/>
-              <a:t>I dalje biramo donekle nasumično</a:t>
-            </a:r>
-          </a:p>
-          <a:p>
-            <a:pPr lvl="1"/>
-            <a:r>
-              <a:rPr lang="hr-HR" dirty="0" smtClean="0"/>
-              <a:t>Tako da se u skupu za testiranje ne nalaze nikoja dva studenta koja imaju sve atribute iste </a:t>
-            </a:r>
-            <a:endParaRPr lang="hr-HR" dirty="0"/>
+            <a:endParaRPr lang="hr-HR" b="1" dirty="0">
+              <a:solidFill>
+                <a:srgbClr val="292929"/>
+              </a:solidFill>
+              <a:latin typeface="sohne"/>
+            </a:endParaRPr>
           </a:p>
         </p:txBody>
       </p:sp>
     </p:spTree>
     <p:extLst>
       <p:ext uri="{BB962C8B-B14F-4D97-AF65-F5344CB8AC3E}">
-        <p14:creationId xmlns:p14="http://schemas.microsoft.com/office/powerpoint/2010/main" val="4271387231"/>
+        <p14:creationId xmlns:p14="http://schemas.microsoft.com/office/powerpoint/2010/main" val="1315090017"/>
       </p:ext>
     </p:extLst>
   </p:cSld>
@@ -6420,6 +6709,419 @@
             <a:spLocks noGrp="1"/>
           </p:cNvSpPr>
           <p:nvPr>
+            <p:ph type="title"/>
+          </p:nvPr>
+        </p:nvSpPr>
+        <p:spPr>
+          <a:xfrm>
+            <a:off x="677334" y="609600"/>
+            <a:ext cx="8596668" cy="1006258"/>
+          </a:xfrm>
+        </p:spPr>
+        <p:txBody>
+          <a:bodyPr/>
+          <a:lstStyle/>
+          <a:p>
+            <a:r>
+              <a:rPr lang="hr-HR" dirty="0"/>
+              <a:t>Metode i odabir značajki</a:t>
+            </a:r>
+          </a:p>
+        </p:txBody>
+      </p:sp>
+      <p:sp>
+        <p:nvSpPr>
+          <p:cNvPr id="3" name="Content Placeholder 2"/>
+          <p:cNvSpPr>
+            <a:spLocks noGrp="1"/>
+          </p:cNvSpPr>
+          <p:nvPr>
+            <p:ph idx="1"/>
+          </p:nvPr>
+        </p:nvSpPr>
+        <p:spPr>
+          <a:xfrm>
+            <a:off x="677334" y="2160589"/>
+            <a:ext cx="4784014" cy="3880773"/>
+          </a:xfrm>
+        </p:spPr>
+        <p:txBody>
+          <a:bodyPr>
+            <a:normAutofit/>
+          </a:bodyPr>
+          <a:lstStyle/>
+          <a:p>
+            <a:r>
+              <a:rPr lang="hr-HR" sz="2400" dirty="0">
+                <a:solidFill>
+                  <a:schemeClr val="tx1"/>
+                </a:solidFill>
+              </a:rPr>
+              <a:t>Metode:</a:t>
+            </a:r>
+          </a:p>
+          <a:p>
+            <a:pPr lvl="1"/>
+            <a:r>
+              <a:rPr lang="hr-HR" sz="2000" u="sng" dirty="0"/>
+              <a:t>Slučajne šume</a:t>
+            </a:r>
+          </a:p>
+          <a:p>
+            <a:pPr lvl="2"/>
+            <a:r>
+              <a:rPr lang="hr-HR" sz="1800" dirty="0"/>
+              <a:t>Puno dimenzija/kategoričke var.</a:t>
+            </a:r>
+          </a:p>
+          <a:p>
+            <a:pPr lvl="1"/>
+            <a:r>
+              <a:rPr lang="hr-HR" sz="2000" dirty="0"/>
+              <a:t>Linearna regresija</a:t>
+            </a:r>
+          </a:p>
+          <a:p>
+            <a:pPr lvl="1"/>
+            <a:r>
+              <a:rPr lang="hr-HR" sz="2000" dirty="0"/>
+              <a:t>Logistička regresija</a:t>
+            </a:r>
+          </a:p>
+          <a:p>
+            <a:pPr lvl="1"/>
+            <a:r>
+              <a:rPr lang="hr-HR" sz="2000" dirty="0"/>
+              <a:t>SVM</a:t>
+            </a:r>
+          </a:p>
+        </p:txBody>
+      </p:sp>
+      <p:sp>
+        <p:nvSpPr>
+          <p:cNvPr id="5" name="Content Placeholder 2">
+            <a:extLst>
+              <a:ext uri="{FF2B5EF4-FFF2-40B4-BE49-F238E27FC236}">
+                <a16:creationId xmlns:a16="http://schemas.microsoft.com/office/drawing/2014/main" id="{77A02C1D-5F7D-4F6E-8171-316052A701B3}"/>
+              </a:ext>
+            </a:extLst>
+          </p:cNvPr>
+          <p:cNvSpPr txBox="1">
+            <a:spLocks/>
+          </p:cNvSpPr>
+          <p:nvPr/>
+        </p:nvSpPr>
+        <p:spPr>
+          <a:xfrm>
+            <a:off x="5117648" y="2160589"/>
+            <a:ext cx="4784014" cy="3880773"/>
+          </a:xfrm>
+          <a:prstGeom prst="rect">
+            <a:avLst/>
+          </a:prstGeom>
+        </p:spPr>
+        <p:txBody>
+          <a:bodyPr vert="horz" lIns="91440" tIns="45720" rIns="91440" bIns="45720" rtlCol="0">
+            <a:normAutofit/>
+          </a:bodyPr>
+          <a:lstStyle>
+            <a:lvl1pPr marL="342900" indent="-342900" algn="l" defTabSz="457200" rtl="0" eaLnBrk="1" latinLnBrk="0" hangingPunct="1">
+              <a:spcBef>
+                <a:spcPts val="1000"/>
+              </a:spcBef>
+              <a:spcAft>
+                <a:spcPts val="0"/>
+              </a:spcAft>
+              <a:buClr>
+                <a:schemeClr val="accent1"/>
+              </a:buClr>
+              <a:buSzPct val="80000"/>
+              <a:buFont typeface="Wingdings 3" charset="2"/>
+              <a:buChar char=""/>
+              <a:defRPr sz="1800" kern="1200">
+                <a:solidFill>
+                  <a:schemeClr val="tx1">
+                    <a:lumMod val="75000"/>
+                    <a:lumOff val="25000"/>
+                  </a:schemeClr>
+                </a:solidFill>
+                <a:latin typeface="+mn-lt"/>
+                <a:ea typeface="+mn-ea"/>
+                <a:cs typeface="+mn-cs"/>
+              </a:defRPr>
+            </a:lvl1pPr>
+            <a:lvl2pPr marL="742950" indent="-285750" algn="l" defTabSz="457200" rtl="0" eaLnBrk="1" latinLnBrk="0" hangingPunct="1">
+              <a:spcBef>
+                <a:spcPts val="1000"/>
+              </a:spcBef>
+              <a:spcAft>
+                <a:spcPts val="0"/>
+              </a:spcAft>
+              <a:buClr>
+                <a:schemeClr val="accent1"/>
+              </a:buClr>
+              <a:buSzPct val="80000"/>
+              <a:buFont typeface="Wingdings 3" charset="2"/>
+              <a:buChar char=""/>
+              <a:defRPr sz="1600" kern="1200">
+                <a:solidFill>
+                  <a:schemeClr val="tx1">
+                    <a:lumMod val="75000"/>
+                    <a:lumOff val="25000"/>
+                  </a:schemeClr>
+                </a:solidFill>
+                <a:latin typeface="+mn-lt"/>
+                <a:ea typeface="+mn-ea"/>
+                <a:cs typeface="+mn-cs"/>
+              </a:defRPr>
+            </a:lvl2pPr>
+            <a:lvl3pPr marL="1143000" indent="-228600" algn="l" defTabSz="457200" rtl="0" eaLnBrk="1" latinLnBrk="0" hangingPunct="1">
+              <a:spcBef>
+                <a:spcPts val="1000"/>
+              </a:spcBef>
+              <a:spcAft>
+                <a:spcPts val="0"/>
+              </a:spcAft>
+              <a:buClr>
+                <a:schemeClr val="accent1"/>
+              </a:buClr>
+              <a:buSzPct val="80000"/>
+              <a:buFont typeface="Wingdings 3" charset="2"/>
+              <a:buChar char=""/>
+              <a:defRPr sz="1400" kern="1200">
+                <a:solidFill>
+                  <a:schemeClr val="tx1">
+                    <a:lumMod val="75000"/>
+                    <a:lumOff val="25000"/>
+                  </a:schemeClr>
+                </a:solidFill>
+                <a:latin typeface="+mn-lt"/>
+                <a:ea typeface="+mn-ea"/>
+                <a:cs typeface="+mn-cs"/>
+              </a:defRPr>
+            </a:lvl3pPr>
+            <a:lvl4pPr marL="1600200" indent="-228600" algn="l" defTabSz="457200" rtl="0" eaLnBrk="1" latinLnBrk="0" hangingPunct="1">
+              <a:spcBef>
+                <a:spcPts val="1000"/>
+              </a:spcBef>
+              <a:spcAft>
+                <a:spcPts val="0"/>
+              </a:spcAft>
+              <a:buClr>
+                <a:schemeClr val="accent1"/>
+              </a:buClr>
+              <a:buSzPct val="80000"/>
+              <a:buFont typeface="Wingdings 3" charset="2"/>
+              <a:buChar char=""/>
+              <a:defRPr sz="1200" kern="1200">
+                <a:solidFill>
+                  <a:schemeClr val="tx1">
+                    <a:lumMod val="75000"/>
+                    <a:lumOff val="25000"/>
+                  </a:schemeClr>
+                </a:solidFill>
+                <a:latin typeface="+mn-lt"/>
+                <a:ea typeface="+mn-ea"/>
+                <a:cs typeface="+mn-cs"/>
+              </a:defRPr>
+            </a:lvl4pPr>
+            <a:lvl5pPr marL="2057400" indent="-228600" algn="l" defTabSz="457200" rtl="0" eaLnBrk="1" latinLnBrk="0" hangingPunct="1">
+              <a:spcBef>
+                <a:spcPts val="1000"/>
+              </a:spcBef>
+              <a:spcAft>
+                <a:spcPts val="0"/>
+              </a:spcAft>
+              <a:buClr>
+                <a:schemeClr val="accent1"/>
+              </a:buClr>
+              <a:buSzPct val="80000"/>
+              <a:buFont typeface="Wingdings 3" charset="2"/>
+              <a:buChar char=""/>
+              <a:defRPr sz="1200" kern="1200">
+                <a:solidFill>
+                  <a:schemeClr val="tx1">
+                    <a:lumMod val="75000"/>
+                    <a:lumOff val="25000"/>
+                  </a:schemeClr>
+                </a:solidFill>
+                <a:latin typeface="+mn-lt"/>
+                <a:ea typeface="+mn-ea"/>
+                <a:cs typeface="+mn-cs"/>
+              </a:defRPr>
+            </a:lvl5pPr>
+            <a:lvl6pPr marL="2514600" indent="-228600" algn="l" defTabSz="457200" rtl="0" eaLnBrk="1" latinLnBrk="0" hangingPunct="1">
+              <a:spcBef>
+                <a:spcPts val="1000"/>
+              </a:spcBef>
+              <a:spcAft>
+                <a:spcPts val="0"/>
+              </a:spcAft>
+              <a:buClr>
+                <a:schemeClr val="accent1"/>
+              </a:buClr>
+              <a:buSzPct val="80000"/>
+              <a:buFont typeface="Wingdings 3" charset="2"/>
+              <a:buChar char=""/>
+              <a:defRPr sz="1200" kern="1200">
+                <a:solidFill>
+                  <a:schemeClr val="tx1">
+                    <a:lumMod val="75000"/>
+                    <a:lumOff val="25000"/>
+                  </a:schemeClr>
+                </a:solidFill>
+                <a:latin typeface="+mn-lt"/>
+                <a:ea typeface="+mn-ea"/>
+                <a:cs typeface="+mn-cs"/>
+              </a:defRPr>
+            </a:lvl6pPr>
+            <a:lvl7pPr marL="2971800" indent="-228600" algn="l" defTabSz="457200" rtl="0" eaLnBrk="1" latinLnBrk="0" hangingPunct="1">
+              <a:spcBef>
+                <a:spcPts val="1000"/>
+              </a:spcBef>
+              <a:spcAft>
+                <a:spcPts val="0"/>
+              </a:spcAft>
+              <a:buClr>
+                <a:schemeClr val="accent1"/>
+              </a:buClr>
+              <a:buSzPct val="80000"/>
+              <a:buFont typeface="Wingdings 3" charset="2"/>
+              <a:buChar char=""/>
+              <a:defRPr sz="1200" kern="1200">
+                <a:solidFill>
+                  <a:schemeClr val="tx1">
+                    <a:lumMod val="75000"/>
+                    <a:lumOff val="25000"/>
+                  </a:schemeClr>
+                </a:solidFill>
+                <a:latin typeface="+mn-lt"/>
+                <a:ea typeface="+mn-ea"/>
+                <a:cs typeface="+mn-cs"/>
+              </a:defRPr>
+            </a:lvl7pPr>
+            <a:lvl8pPr marL="3429000" indent="-228600" algn="l" defTabSz="457200" rtl="0" eaLnBrk="1" latinLnBrk="0" hangingPunct="1">
+              <a:spcBef>
+                <a:spcPts val="1000"/>
+              </a:spcBef>
+              <a:spcAft>
+                <a:spcPts val="0"/>
+              </a:spcAft>
+              <a:buClr>
+                <a:schemeClr val="accent1"/>
+              </a:buClr>
+              <a:buSzPct val="80000"/>
+              <a:buFont typeface="Wingdings 3" charset="2"/>
+              <a:buChar char=""/>
+              <a:defRPr sz="1200" kern="1200">
+                <a:solidFill>
+                  <a:schemeClr val="tx1">
+                    <a:lumMod val="75000"/>
+                    <a:lumOff val="25000"/>
+                  </a:schemeClr>
+                </a:solidFill>
+                <a:latin typeface="+mn-lt"/>
+                <a:ea typeface="+mn-ea"/>
+                <a:cs typeface="+mn-cs"/>
+              </a:defRPr>
+            </a:lvl8pPr>
+            <a:lvl9pPr marL="3886200" indent="-228600" algn="l" defTabSz="457200" rtl="0" eaLnBrk="1" latinLnBrk="0" hangingPunct="1">
+              <a:spcBef>
+                <a:spcPts val="1000"/>
+              </a:spcBef>
+              <a:spcAft>
+                <a:spcPts val="0"/>
+              </a:spcAft>
+              <a:buClr>
+                <a:schemeClr val="accent1"/>
+              </a:buClr>
+              <a:buSzPct val="80000"/>
+              <a:buFont typeface="Wingdings 3" charset="2"/>
+              <a:buChar char=""/>
+              <a:defRPr sz="1200" kern="1200">
+                <a:solidFill>
+                  <a:schemeClr val="tx1">
+                    <a:lumMod val="75000"/>
+                    <a:lumOff val="25000"/>
+                  </a:schemeClr>
+                </a:solidFill>
+                <a:latin typeface="+mn-lt"/>
+                <a:ea typeface="+mn-ea"/>
+                <a:cs typeface="+mn-cs"/>
+              </a:defRPr>
+            </a:lvl9pPr>
+          </a:lstStyle>
+          <a:p>
+            <a:r>
+              <a:rPr lang="hr-HR" sz="2400" i="0" dirty="0">
+                <a:solidFill>
+                  <a:schemeClr val="tx1"/>
+                </a:solidFill>
+                <a:effectLst/>
+                <a:latin typeface="+mj-lt"/>
+              </a:rPr>
+              <a:t>Ručak ,pripreme,spol .. što najviše pridonosi dobrim rezultatima?</a:t>
+            </a:r>
+            <a:endParaRPr lang="hr-HR" sz="2200" dirty="0">
+              <a:solidFill>
+                <a:schemeClr val="tx1"/>
+              </a:solidFill>
+              <a:latin typeface="+mj-lt"/>
+            </a:endParaRPr>
+          </a:p>
+          <a:p>
+            <a:pPr lvl="1"/>
+            <a:r>
+              <a:rPr lang="hr-HR" sz="2000" dirty="0"/>
+              <a:t>Potreba za odabirom značajki koje najviše pridonose rezultatu, s ciljem smanjenja broja značajki</a:t>
+            </a:r>
+          </a:p>
+          <a:p>
+            <a:pPr lvl="1"/>
+            <a:r>
+              <a:rPr lang="hr-HR" sz="2000" dirty="0"/>
+              <a:t>Može tako drastično pojednostaviti model</a:t>
+            </a:r>
+          </a:p>
+        </p:txBody>
+      </p:sp>
+    </p:spTree>
+    <p:extLst>
+      <p:ext uri="{BB962C8B-B14F-4D97-AF65-F5344CB8AC3E}">
+        <p14:creationId xmlns:p14="http://schemas.microsoft.com/office/powerpoint/2010/main" val="108618483"/>
+      </p:ext>
+    </p:extLst>
+  </p:cSld>
+  <p:clrMapOvr>
+    <a:masterClrMapping/>
+  </p:clrMapOvr>
+</p:sld>
+</file>
+
+<file path=ppt/slides/slide6.xml><?xml version="1.0" encoding="utf-8"?>
+<p:sld xmlns:a="http://schemas.openxmlformats.org/drawingml/2006/main" xmlns:r="http://schemas.openxmlformats.org/officeDocument/2006/relationships" xmlns:p="http://schemas.openxmlformats.org/presentationml/2006/main">
+  <p:cSld>
+    <p:spTree>
+      <p:nvGrpSpPr>
+        <p:cNvPr id="1" name=""/>
+        <p:cNvGrpSpPr/>
+        <p:nvPr/>
+      </p:nvGrpSpPr>
+      <p:grpSpPr>
+        <a:xfrm>
+          <a:off x="0" y="0"/>
+          <a:ext cx="0" cy="0"/>
+          <a:chOff x="0" y="0"/>
+          <a:chExt cx="0" cy="0"/>
+        </a:xfrm>
+      </p:grpSpPr>
+      <p:sp>
+        <p:nvSpPr>
+          <p:cNvPr id="2" name="Title 1"/>
+          <p:cNvSpPr>
+            <a:spLocks noGrp="1"/>
+          </p:cNvSpPr>
+          <p:nvPr>
             <p:ph type="ctrTitle"/>
           </p:nvPr>
         </p:nvSpPr>
@@ -6429,10 +7131,9 @@
           <a:lstStyle/>
           <a:p>
             <a:r>
-              <a:rPr lang="hr-HR" dirty="0" smtClean="0"/>
+              <a:rPr lang="hr-HR" dirty="0"/>
               <a:t>Kraj</a:t>
             </a:r>
-            <a:endParaRPr lang="hr-HR" dirty="0"/>
           </a:p>
         </p:txBody>
       </p:sp>
@@ -6452,10 +7153,9 @@
           <a:lstStyle/>
           <a:p>
             <a:r>
-              <a:rPr lang="hr-HR" dirty="0" smtClean="0"/>
+              <a:rPr lang="hr-HR" dirty="0"/>
               <a:t>Hvala na pozornosti</a:t>
             </a:r>
-            <a:endParaRPr lang="hr-HR" dirty="0"/>
           </a:p>
         </p:txBody>
       </p:sp>

--- a/Prezentacija prijedlog.pptx
+++ b/Prezentacija prijedlog.pptx
@@ -6792,8 +6792,25 @@
             <a:pPr lvl="1"/>
             <a:r>
               <a:rPr lang="hr-HR" sz="2000" dirty="0"/>
-              <a:t>SVM</a:t>
-            </a:r>
+              <a:t>Regresijski SVM (</a:t>
+            </a:r>
+            <a:r>
+              <a:rPr lang="hr-HR" sz="2000" i="0" dirty="0">
+                <a:solidFill>
+                  <a:srgbClr val="292929"/>
+                </a:solidFill>
+                <a:effectLst/>
+                <a:latin typeface="+mj-lt"/>
+              </a:rPr>
+              <a:t>SVR)</a:t>
+            </a:r>
+            <a:endParaRPr lang="hr-HR" sz="2400" i="0" dirty="0">
+              <a:solidFill>
+                <a:srgbClr val="292929"/>
+              </a:solidFill>
+              <a:effectLst/>
+              <a:latin typeface="+mj-lt"/>
+            </a:endParaRPr>
           </a:p>
         </p:txBody>
       </p:sp>
